--- a/DocgenTemplates/CertificateBackground_MH.pptx
+++ b/DocgenTemplates/CertificateBackground_MH.pptx
@@ -115,24 +115,24 @@
 <file path=ppt/changesInfos/changesInfo1.xml><?xml version="1.0" encoding="utf-8"?>
 <pc:chgInfo xmlns:a="http://schemas.openxmlformats.org/drawingml/2006/main" xmlns:r="http://schemas.openxmlformats.org/officeDocument/2006/relationships" xmlns:ac="http://schemas.microsoft.com/office/drawing/2013/main/command" xmlns:pc="http://schemas.microsoft.com/office/powerpoint/2013/main/command">
   <pc:docChgLst>
-    <pc:chgData name="Narendra Patil, Kiran" userId="bd8726b3-9de5-4981-82ea-44e4ceaf49c4" providerId="ADAL" clId="{79A8EDB3-710C-4BC8-95B9-367230073D3C}"/>
+    <pc:chgData name="Narendra Patil, Kiran" userId="bd8726b3-9de5-4981-82ea-44e4ceaf49c4" providerId="ADAL" clId="{AEC3F5A0-79AE-4B5E-8160-C5BDCC55510A}"/>
     <pc:docChg chg="modSld">
-      <pc:chgData name="Narendra Patil, Kiran" userId="bd8726b3-9de5-4981-82ea-44e4ceaf49c4" providerId="ADAL" clId="{79A8EDB3-710C-4BC8-95B9-367230073D3C}" dt="2024-05-22T10:02:45.410" v="0" actId="1076"/>
+      <pc:chgData name="Narendra Patil, Kiran" userId="bd8726b3-9de5-4981-82ea-44e4ceaf49c4" providerId="ADAL" clId="{AEC3F5A0-79AE-4B5E-8160-C5BDCC55510A}" dt="2024-08-07T10:09:43.513" v="8" actId="20577"/>
       <pc:docMkLst>
         <pc:docMk/>
       </pc:docMkLst>
       <pc:sldChg chg="modSp mod">
-        <pc:chgData name="Narendra Patil, Kiran" userId="bd8726b3-9de5-4981-82ea-44e4ceaf49c4" providerId="ADAL" clId="{79A8EDB3-710C-4BC8-95B9-367230073D3C}" dt="2024-05-22T10:02:45.410" v="0" actId="1076"/>
+        <pc:chgData name="Narendra Patil, Kiran" userId="bd8726b3-9de5-4981-82ea-44e4ceaf49c4" providerId="ADAL" clId="{AEC3F5A0-79AE-4B5E-8160-C5BDCC55510A}" dt="2024-08-07T10:09:43.513" v="8" actId="20577"/>
         <pc:sldMkLst>
           <pc:docMk/>
           <pc:sldMk cId="1830213082" sldId="256"/>
         </pc:sldMkLst>
         <pc:spChg chg="mod">
-          <ac:chgData name="Narendra Patil, Kiran" userId="bd8726b3-9de5-4981-82ea-44e4ceaf49c4" providerId="ADAL" clId="{79A8EDB3-710C-4BC8-95B9-367230073D3C}" dt="2024-05-22T10:02:45.410" v="0" actId="1076"/>
+          <ac:chgData name="Narendra Patil, Kiran" userId="bd8726b3-9de5-4981-82ea-44e4ceaf49c4" providerId="ADAL" clId="{AEC3F5A0-79AE-4B5E-8160-C5BDCC55510A}" dt="2024-08-07T10:09:43.513" v="8" actId="20577"/>
           <ac:spMkLst>
             <pc:docMk/>
             <pc:sldMk cId="1830213082" sldId="256"/>
-            <ac:spMk id="14" creationId="{57D8A3F2-1C6B-22B4-1BD9-38839FC9A349}"/>
+            <ac:spMk id="9" creationId="{2661C2CE-7AAD-2E59-A527-EDBEF23061BD}"/>
           </ac:spMkLst>
         </pc:spChg>
       </pc:sldChg>
@@ -272,7 +272,7 @@
           <a:p>
             <a:fld id="{E0C45857-5204-4055-BBBB-5D81F6C0DEE1}" type="datetimeFigureOut">
               <a:rPr lang="en-US" smtClean="0"/>
-              <a:t>5/23/2024</a:t>
+              <a:t>8/7/2024</a:t>
             </a:fld>
             <a:endParaRPr lang="en-US"/>
           </a:p>
@@ -442,7 +442,7 @@
           <a:p>
             <a:fld id="{E0C45857-5204-4055-BBBB-5D81F6C0DEE1}" type="datetimeFigureOut">
               <a:rPr lang="en-US" smtClean="0"/>
-              <a:t>5/23/2024</a:t>
+              <a:t>8/7/2024</a:t>
             </a:fld>
             <a:endParaRPr lang="en-US"/>
           </a:p>
@@ -622,7 +622,7 @@
           <a:p>
             <a:fld id="{E0C45857-5204-4055-BBBB-5D81F6C0DEE1}" type="datetimeFigureOut">
               <a:rPr lang="en-US" smtClean="0"/>
-              <a:t>5/23/2024</a:t>
+              <a:t>8/7/2024</a:t>
             </a:fld>
             <a:endParaRPr lang="en-US"/>
           </a:p>
@@ -792,7 +792,7 @@
           <a:p>
             <a:fld id="{E0C45857-5204-4055-BBBB-5D81F6C0DEE1}" type="datetimeFigureOut">
               <a:rPr lang="en-US" smtClean="0"/>
-              <a:t>5/23/2024</a:t>
+              <a:t>8/7/2024</a:t>
             </a:fld>
             <a:endParaRPr lang="en-US"/>
           </a:p>
@@ -1036,7 +1036,7 @@
           <a:p>
             <a:fld id="{E0C45857-5204-4055-BBBB-5D81F6C0DEE1}" type="datetimeFigureOut">
               <a:rPr lang="en-US" smtClean="0"/>
-              <a:t>5/23/2024</a:t>
+              <a:t>8/7/2024</a:t>
             </a:fld>
             <a:endParaRPr lang="en-US"/>
           </a:p>
@@ -1268,7 +1268,7 @@
           <a:p>
             <a:fld id="{E0C45857-5204-4055-BBBB-5D81F6C0DEE1}" type="datetimeFigureOut">
               <a:rPr lang="en-US" smtClean="0"/>
-              <a:t>5/23/2024</a:t>
+              <a:t>8/7/2024</a:t>
             </a:fld>
             <a:endParaRPr lang="en-US"/>
           </a:p>
@@ -1635,7 +1635,7 @@
           <a:p>
             <a:fld id="{E0C45857-5204-4055-BBBB-5D81F6C0DEE1}" type="datetimeFigureOut">
               <a:rPr lang="en-US" smtClean="0"/>
-              <a:t>5/23/2024</a:t>
+              <a:t>8/7/2024</a:t>
             </a:fld>
             <a:endParaRPr lang="en-US"/>
           </a:p>
@@ -1753,7 +1753,7 @@
           <a:p>
             <a:fld id="{E0C45857-5204-4055-BBBB-5D81F6C0DEE1}" type="datetimeFigureOut">
               <a:rPr lang="en-US" smtClean="0"/>
-              <a:t>5/23/2024</a:t>
+              <a:t>8/7/2024</a:t>
             </a:fld>
             <a:endParaRPr lang="en-US"/>
           </a:p>
@@ -1848,7 +1848,7 @@
           <a:p>
             <a:fld id="{E0C45857-5204-4055-BBBB-5D81F6C0DEE1}" type="datetimeFigureOut">
               <a:rPr lang="en-US" smtClean="0"/>
-              <a:t>5/23/2024</a:t>
+              <a:t>8/7/2024</a:t>
             </a:fld>
             <a:endParaRPr lang="en-US"/>
           </a:p>
@@ -2125,7 +2125,7 @@
           <a:p>
             <a:fld id="{E0C45857-5204-4055-BBBB-5D81F6C0DEE1}" type="datetimeFigureOut">
               <a:rPr lang="en-US" smtClean="0"/>
-              <a:t>5/23/2024</a:t>
+              <a:t>8/7/2024</a:t>
             </a:fld>
             <a:endParaRPr lang="en-US"/>
           </a:p>
@@ -2382,7 +2382,7 @@
           <a:p>
             <a:fld id="{E0C45857-5204-4055-BBBB-5D81F6C0DEE1}" type="datetimeFigureOut">
               <a:rPr lang="en-US" smtClean="0"/>
-              <a:t>5/23/2024</a:t>
+              <a:t>8/7/2024</a:t>
             </a:fld>
             <a:endParaRPr lang="en-US"/>
           </a:p>
@@ -2595,7 +2595,7 @@
           <a:p>
             <a:fld id="{E0C45857-5204-4055-BBBB-5D81F6C0DEE1}" type="datetimeFigureOut">
               <a:rPr lang="en-US" smtClean="0"/>
-              <a:t>5/23/2024</a:t>
+              <a:t>8/7/2024</a:t>
             </a:fld>
             <a:endParaRPr lang="en-US"/>
           </a:p>
@@ -3510,7 +3510,7 @@
         <p:spPr>
           <a:xfrm>
             <a:off x="2270224" y="2228850"/>
-            <a:ext cx="7391135" cy="3853876"/>
+            <a:ext cx="7391135" cy="4041043"/>
           </a:xfrm>
           <a:prstGeom prst="rect">
             <a:avLst/>
@@ -3912,33 +3912,65 @@
               </a:spcBef>
             </a:pPr>
             <a:r>
-              <a:rPr lang="en-US" sz="1400" b="1" dirty="0">
+              <a:rPr lang="en-US" sz="1400" b="1">
                 <a:solidFill>
                   <a:srgbClr val="3B305B"/>
                 </a:solidFill>
                 <a:latin typeface="BC Sans"/>
                 <a:ea typeface="Verdana" panose="020B0604030504040204" pitchFamily="34" charset="0"/>
               </a:rPr>
-              <a:t>CONDITIONS: {{Condition}} </a:t>
-            </a:r>
-            <a:r>
-              <a:rPr lang="en-US" sz="1400" dirty="0">
+              <a:t>CONDITIONS:</a:t>
+            </a:r>
+          </a:p>
+          <a:p>
+            <a:pPr marL="1496060" marR="3183255">
+              <a:lnSpc>
+                <a:spcPct val="123000"/>
+              </a:lnSpc>
+              <a:spcBef>
+                <a:spcPts val="515"/>
+              </a:spcBef>
+            </a:pPr>
+            <a:r>
+              <a:rPr lang="en-US" sz="1400" b="1">
                 <a:solidFill>
                   <a:srgbClr val="3B305B"/>
                 </a:solidFill>
                 <a:latin typeface="BC Sans"/>
                 <a:ea typeface="Verdana" panose="020B0604030504040204" pitchFamily="34" charset="0"/>
               </a:rPr>
-              <a:t>{{Condition1}} </a:t>
-            </a:r>
-            <a:endParaRPr lang="en-US" sz="1400" dirty="0">
-              <a:effectLst/>
-              <a:latin typeface="BC Sans"/>
-              <a:ea typeface="Verdana" panose="020B0604030504040204" pitchFamily="34" charset="0"/>
-              <a:cs typeface="Verdana" panose="020B0604030504040204" pitchFamily="34" charset="0"/>
-            </a:endParaRPr>
-          </a:p>
-          <a:p>
+              <a:t>{{</a:t>
+            </a:r>
+            <a:r>
+              <a:rPr lang="en-US" sz="1400" b="1" dirty="0" err="1">
+                <a:solidFill>
+                  <a:srgbClr val="3B305B"/>
+                </a:solidFill>
+                <a:latin typeface="BC Sans"/>
+                <a:ea typeface="Verdana" panose="020B0604030504040204" pitchFamily="34" charset="0"/>
+              </a:rPr>
+              <a:t>ConditionAndDescription</a:t>
+            </a:r>
+            <a:r>
+              <a:rPr lang="en-US" sz="1400" b="1" dirty="0">
+                <a:solidFill>
+                  <a:srgbClr val="3B305B"/>
+                </a:solidFill>
+                <a:latin typeface="BC Sans"/>
+                <a:ea typeface="Verdana" panose="020B0604030504040204" pitchFamily="34" charset="0"/>
+              </a:rPr>
+              <a:t>}}</a:t>
+            </a:r>
+            <a:r>
+              <a:rPr lang="en-US" sz="1400" dirty="0">
+                <a:solidFill>
+                  <a:srgbClr val="3B305B"/>
+                </a:solidFill>
+                <a:latin typeface="BC Sans"/>
+                <a:ea typeface="Verdana" panose="020B0604030504040204" pitchFamily="34" charset="0"/>
+              </a:rPr>
+              <a:t>{{ConditionAndDescription1}}</a:t>
+            </a:r>
             <a:endParaRPr lang="en-CA" sz="800" dirty="0">
               <a:effectLst/>
               <a:latin typeface="BC Sans"/>
